--- a/help/SSB-Retuning-Automations-User-Guide-v0.7.1.pptx
+++ b/help/SSB-Retuning-Automations-User-Guide-v0.7.1.pptx
@@ -10100,21 +10100,6 @@
 </file>
 
 <file path=customXml/item2.xml><?xml version="1.0" encoding="utf-8"?>
-<p:properties xmlns:p="http://schemas.microsoft.com/office/2006/metadata/properties" xmlns:xsi="http://www.w3.org/2001/XMLSchema-instance" xmlns:pc="http://schemas.microsoft.com/office/infopath/2007/PartnerControls">
-  <documentManagement/>
-</p:properties>
-</file>
-
-<file path=customXml/item3.xml><?xml version="1.0" encoding="utf-8"?>
-<?mso-contentType ?>
-<FormTemplates xmlns="http://schemas.microsoft.com/sharepoint/v3/contenttype/forms">
-  <Display>DocumentLibraryForm</Display>
-  <Edit>DocumentLibraryForm</Edit>
-  <New>DocumentLibraryForm</New>
-</FormTemplates>
-</file>
-
-<file path=customXml/item4.xml><?xml version="1.0" encoding="utf-8"?>
 <ct:contentTypeSchema xmlns:ct="http://schemas.microsoft.com/office/2006/metadata/contentType" xmlns:ma="http://schemas.microsoft.com/office/2006/metadata/properties/metaAttributes" ct:_="" ma:_="" ma:contentTypeName="Document" ma:contentTypeID="0x010100E69987ED4D0F3F47BA33116175D6C093" ma:contentTypeVersion="3" ma:contentTypeDescription="Create a new document." ma:contentTypeScope="" ma:versionID="b377e87a9fdb0adfbe59c8cbc16d9e06">
   <xsd:schema xmlns:xsd="http://www.w3.org/2001/XMLSchema" xmlns:xs="http://www.w3.org/2001/XMLSchema" xmlns:p="http://schemas.microsoft.com/office/2006/metadata/properties" xmlns:ns2="4d118d9b-448c-4a54-90d4-6d126d04e28f" targetNamespace="http://schemas.microsoft.com/office/2006/metadata/properties" ma:root="true" ma:fieldsID="142a0c039391e3f54e2425d6548dcea2" ns2:_="">
     <xsd:import namespace="4d118d9b-448c-4a54-90d4-6d126d04e28f"/>
@@ -10252,6 +10237,21 @@
 </ct:contentTypeSchema>
 </file>
 
+<file path=customXml/item3.xml><?xml version="1.0" encoding="utf-8"?>
+<?mso-contentType ?>
+<FormTemplates xmlns="http://schemas.microsoft.com/sharepoint/v3/contenttype/forms">
+  <Display>DocumentLibraryForm</Display>
+  <Edit>DocumentLibraryForm</Edit>
+  <New>DocumentLibraryForm</New>
+</FormTemplates>
+</file>
+
+<file path=customXml/item4.xml><?xml version="1.0" encoding="utf-8"?>
+<p:properties xmlns:p="http://schemas.microsoft.com/office/2006/metadata/properties" xmlns:xsi="http://www.w3.org/2001/XMLSchema-instance" xmlns:pc="http://schemas.microsoft.com/office/infopath/2007/PartnerControls">
+  <documentManagement/>
+</p:properties>
+</file>
+
 <file path=customXml/itemProps1.xml><?xml version="1.0" encoding="utf-8"?>
 <ds:datastoreItem xmlns:ds="http://schemas.openxmlformats.org/officeDocument/2006/customXml" ds:itemID="{EC3F7911-CA70-450D-9C74-276FAE63B2A1}">
   <ds:schemaRefs>
@@ -10271,23 +10271,6 @@
 </file>
 
 <file path=customXml/itemProps2.xml><?xml version="1.0" encoding="utf-8"?>
-<ds:datastoreItem xmlns:ds="http://schemas.openxmlformats.org/officeDocument/2006/customXml" ds:itemID="{9D39D6F7-DEC6-43E0-B150-2B295957F91D}">
-  <ds:schemaRefs>
-    <ds:schemaRef ds:uri="http://schemas.microsoft.com/office/2006/metadata/properties"/>
-    <ds:schemaRef ds:uri="http://schemas.microsoft.com/office/infopath/2007/PartnerControls"/>
-  </ds:schemaRefs>
-</ds:datastoreItem>
-</file>
-
-<file path=customXml/itemProps3.xml><?xml version="1.0" encoding="utf-8"?>
-<ds:datastoreItem xmlns:ds="http://schemas.openxmlformats.org/officeDocument/2006/customXml" ds:itemID="{4635B0D5-FB81-4068-AEC4-E15905E3EFEE}">
-  <ds:schemaRefs>
-    <ds:schemaRef ds:uri="http://schemas.microsoft.com/sharepoint/v3/contenttype/forms"/>
-  </ds:schemaRefs>
-</ds:datastoreItem>
-</file>
-
-<file path=customXml/itemProps4.xml><?xml version="1.0" encoding="utf-8"?>
 <ds:datastoreItem xmlns:ds="http://schemas.openxmlformats.org/officeDocument/2006/customXml" ds:itemID="{10BB2122-50FB-4777-8728-D52F7CF1AED8}">
   <ds:schemaRefs>
     <ds:schemaRef ds:uri="4d118d9b-448c-4a54-90d4-6d126d04e28f"/>
@@ -10303,4 +10286,21 @@
     <ds:schemaRef ds:uri="http://www.w3.org/2001/XMLSchema"/>
   </ds:schemaRefs>
 </ds:datastoreItem>
+</file>
+
+<file path=customXml/itemProps3.xml><?xml version="1.0" encoding="utf-8"?>
+<ds:datastoreItem xmlns:ds="http://schemas.openxmlformats.org/officeDocument/2006/customXml" ds:itemID="{4635B0D5-FB81-4068-AEC4-E15905E3EFEE}">
+  <ds:schemaRefs>
+    <ds:schemaRef ds:uri="http://schemas.microsoft.com/sharepoint/v3/contenttype/forms"/>
+  </ds:schemaRefs>
+</ds:datastoreItem>
+</file>
+
+<file path=customXml/itemProps4.xml><?xml version="1.0" encoding="utf-8"?>
+<ds:datastoreItem xmlns:ds="http://schemas.openxmlformats.org/officeDocument/2006/customXml" ds:itemID="{9D39D6F7-DEC6-43E0-B150-2B295957F91D}">
+  <ds:schemaRefs>
+    <ds:schemaRef ds:uri="http://schemas.microsoft.com/office/2006/metadata/properties"/>
+    <ds:schemaRef ds:uri="http://schemas.microsoft.com/office/infopath/2007/PartnerControls"/>
+  </ds:schemaRefs>
+</ds:datastoreItem>
 </file>